--- a/Facebook.pptx
+++ b/Facebook.pptx
@@ -14,7 +14,8 @@
     <p:sldId id="262" r:id="rId8"/>
     <p:sldId id="264" r:id="rId9"/>
     <p:sldId id="265" r:id="rId10"/>
-    <p:sldId id="266" r:id="rId11"/>
+    <p:sldId id="268" r:id="rId11"/>
+    <p:sldId id="266" r:id="rId12"/>
   </p:sldIdLst>
   <p:sldSz cx="12192000" cy="6858000"/>
   <p:notesSz cx="6858000" cy="9144000"/>
@@ -113,6 +114,11 @@
       </a:defRPr>
     </a:lvl9pPr>
   </p:defaultTextStyle>
+  <p:extLst>
+    <p:ext uri="{EFAFB233-063F-42B5-8137-9DF3F51BA10A}">
+      <p15:sldGuideLst xmlns:p15="http://schemas.microsoft.com/office/powerpoint/2012/main"/>
+    </p:ext>
+  </p:extLst>
 </p:presentation>
 </file>
 
@@ -2914,9 +2920,9 @@
   </dgm:ptLst>
   <dgm:cxnLst>
     <dgm:cxn modelId="{163B1828-C9D0-44AC-8483-F4FFFF77CAE6}" type="presOf" srcId="{20B85CE8-403A-47E6-B132-BD546093B00D}" destId="{2CE3C4F5-6CF9-47EB-8F0F-EBDEBB928888}" srcOrd="0" destOrd="0" presId="urn:microsoft.com/office/officeart/2018/2/layout/IconLabelList"/>
-    <dgm:cxn modelId="{7367FB4F-2E65-4284-9407-5D017FE2340B}" type="presOf" srcId="{D11A31C8-D00A-4C87-BA45-D426249C5D78}" destId="{E65102BE-8667-4548-8764-0D46221E26AB}" srcOrd="0" destOrd="0" presId="urn:microsoft.com/office/officeart/2018/2/layout/IconLabelList"/>
     <dgm:cxn modelId="{1C58BB5D-2823-4462-944B-73B04EDCB108}" srcId="{3659CC0B-1841-4E7C-8CB1-BA569D6A3962}" destId="{FE12F19F-657B-40E9-B6E0-36B9CAE6CCD7}" srcOrd="3" destOrd="0" parTransId="{A2C42821-57C1-4307-BF9B-408C8EA58D0C}" sibTransId="{D18C7275-ED4B-4031-B72D-58B4A4066FBF}"/>
     <dgm:cxn modelId="{0527EC67-710C-48C7-A29A-4275C9C179CE}" srcId="{3659CC0B-1841-4E7C-8CB1-BA569D6A3962}" destId="{D11A31C8-D00A-4C87-BA45-D426249C5D78}" srcOrd="0" destOrd="0" parTransId="{C963A7B0-10CE-4097-A52A-0E8E6C70745D}" sibTransId="{DE6888D4-C255-4AF2-9994-33973535CE7B}"/>
+    <dgm:cxn modelId="{7367FB4F-2E65-4284-9407-5D017FE2340B}" type="presOf" srcId="{D11A31C8-D00A-4C87-BA45-D426249C5D78}" destId="{E65102BE-8667-4548-8764-0D46221E26AB}" srcOrd="0" destOrd="0" presId="urn:microsoft.com/office/officeart/2018/2/layout/IconLabelList"/>
     <dgm:cxn modelId="{D2FAD391-C6A7-4E1A-9885-D35222BA7153}" type="presOf" srcId="{5DB7A451-A8F1-44B4-819F-AFB431B841E9}" destId="{3B6168E0-3E09-4451-A925-98A8055E95D2}" srcOrd="0" destOrd="0" presId="urn:microsoft.com/office/officeart/2018/2/layout/IconLabelList"/>
     <dgm:cxn modelId="{5D518B99-364E-4F21-87A3-9AFC51A17B38}" srcId="{3659CC0B-1841-4E7C-8CB1-BA569D6A3962}" destId="{20B85CE8-403A-47E6-B132-BD546093B00D}" srcOrd="5" destOrd="0" parTransId="{65D7B9CB-909C-43FC-AF5D-74CB29FE6941}" sibTransId="{06201118-B41E-4D75-BBB0-E83D82164A08}"/>
     <dgm:cxn modelId="{4A61CE9A-3E27-40B7-ACD0-4630AFF91C4C}" srcId="{3659CC0B-1841-4E7C-8CB1-BA569D6A3962}" destId="{5DB7A451-A8F1-44B4-819F-AFB431B841E9}" srcOrd="4" destOrd="0" parTransId="{E13F2119-A72E-4BEF-B660-170B387E64AA}" sibTransId="{F0664664-CEF1-41C6-93AB-47BF97C14950}"/>
@@ -7198,7 +7204,7 @@
           <a:p>
             <a:fld id="{6AB3FBD5-93E1-3544-B5FC-7BAB6E5007C7}" type="datetimeFigureOut">
               <a:rPr lang="en-CR" smtClean="0"/>
-              <a:t>9/7/23</a:t>
+              <a:t>07/13/2023</a:t>
             </a:fld>
             <a:endParaRPr lang="en-CR"/>
           </a:p>
@@ -7252,7 +7258,7 @@
           <a:p>
             <a:fld id="{D817ABCC-970A-BF47-BD28-D49DB9AF8C04}" type="slidenum">
               <a:rPr lang="en-CR" smtClean="0"/>
-              <a:t>‹#›</a:t>
+              <a:t>‹Nº›</a:t>
             </a:fld>
             <a:endParaRPr lang="en-CR"/>
           </a:p>
@@ -7398,7 +7404,7 @@
           <a:p>
             <a:fld id="{6AB3FBD5-93E1-3544-B5FC-7BAB6E5007C7}" type="datetimeFigureOut">
               <a:rPr lang="en-CR" smtClean="0"/>
-              <a:t>9/7/23</a:t>
+              <a:t>07/13/2023</a:t>
             </a:fld>
             <a:endParaRPr lang="en-CR"/>
           </a:p>
@@ -7452,7 +7458,7 @@
           <a:p>
             <a:fld id="{D817ABCC-970A-BF47-BD28-D49DB9AF8C04}" type="slidenum">
               <a:rPr lang="en-CR" smtClean="0"/>
-              <a:t>‹#›</a:t>
+              <a:t>‹Nº›</a:t>
             </a:fld>
             <a:endParaRPr lang="en-CR"/>
           </a:p>
@@ -7608,7 +7614,7 @@
           <a:p>
             <a:fld id="{6AB3FBD5-93E1-3544-B5FC-7BAB6E5007C7}" type="datetimeFigureOut">
               <a:rPr lang="en-CR" smtClean="0"/>
-              <a:t>9/7/23</a:t>
+              <a:t>07/13/2023</a:t>
             </a:fld>
             <a:endParaRPr lang="en-CR"/>
           </a:p>
@@ -7662,7 +7668,7 @@
           <a:p>
             <a:fld id="{D817ABCC-970A-BF47-BD28-D49DB9AF8C04}" type="slidenum">
               <a:rPr lang="en-CR" smtClean="0"/>
-              <a:t>‹#›</a:t>
+              <a:t>‹Nº›</a:t>
             </a:fld>
             <a:endParaRPr lang="en-CR"/>
           </a:p>
@@ -7808,7 +7814,7 @@
           <a:p>
             <a:fld id="{6AB3FBD5-93E1-3544-B5FC-7BAB6E5007C7}" type="datetimeFigureOut">
               <a:rPr lang="en-CR" smtClean="0"/>
-              <a:t>9/7/23</a:t>
+              <a:t>07/13/2023</a:t>
             </a:fld>
             <a:endParaRPr lang="en-CR"/>
           </a:p>
@@ -7862,7 +7868,7 @@
           <a:p>
             <a:fld id="{D817ABCC-970A-BF47-BD28-D49DB9AF8C04}" type="slidenum">
               <a:rPr lang="en-CR" smtClean="0"/>
-              <a:t>‹#›</a:t>
+              <a:t>‹Nº›</a:t>
             </a:fld>
             <a:endParaRPr lang="en-CR"/>
           </a:p>
@@ -8084,7 +8090,7 @@
           <a:p>
             <a:fld id="{6AB3FBD5-93E1-3544-B5FC-7BAB6E5007C7}" type="datetimeFigureOut">
               <a:rPr lang="en-CR" smtClean="0"/>
-              <a:t>9/7/23</a:t>
+              <a:t>07/13/2023</a:t>
             </a:fld>
             <a:endParaRPr lang="en-CR"/>
           </a:p>
@@ -8138,7 +8144,7 @@
           <a:p>
             <a:fld id="{D817ABCC-970A-BF47-BD28-D49DB9AF8C04}" type="slidenum">
               <a:rPr lang="en-CR" smtClean="0"/>
-              <a:t>‹#›</a:t>
+              <a:t>‹Nº›</a:t>
             </a:fld>
             <a:endParaRPr lang="en-CR"/>
           </a:p>
@@ -8352,7 +8358,7 @@
           <a:p>
             <a:fld id="{6AB3FBD5-93E1-3544-B5FC-7BAB6E5007C7}" type="datetimeFigureOut">
               <a:rPr lang="en-CR" smtClean="0"/>
-              <a:t>9/7/23</a:t>
+              <a:t>07/13/2023</a:t>
             </a:fld>
             <a:endParaRPr lang="en-CR"/>
           </a:p>
@@ -8406,7 +8412,7 @@
           <a:p>
             <a:fld id="{D817ABCC-970A-BF47-BD28-D49DB9AF8C04}" type="slidenum">
               <a:rPr lang="en-CR" smtClean="0"/>
-              <a:t>‹#›</a:t>
+              <a:t>‹Nº›</a:t>
             </a:fld>
             <a:endParaRPr lang="en-CR"/>
           </a:p>
@@ -8767,7 +8773,7 @@
           <a:p>
             <a:fld id="{6AB3FBD5-93E1-3544-B5FC-7BAB6E5007C7}" type="datetimeFigureOut">
               <a:rPr lang="en-CR" smtClean="0"/>
-              <a:t>9/7/23</a:t>
+              <a:t>07/13/2023</a:t>
             </a:fld>
             <a:endParaRPr lang="en-CR"/>
           </a:p>
@@ -8821,7 +8827,7 @@
           <a:p>
             <a:fld id="{D817ABCC-970A-BF47-BD28-D49DB9AF8C04}" type="slidenum">
               <a:rPr lang="en-CR" smtClean="0"/>
-              <a:t>‹#›</a:t>
+              <a:t>‹Nº›</a:t>
             </a:fld>
             <a:endParaRPr lang="en-CR"/>
           </a:p>
@@ -8909,7 +8915,7 @@
           <a:p>
             <a:fld id="{6AB3FBD5-93E1-3544-B5FC-7BAB6E5007C7}" type="datetimeFigureOut">
               <a:rPr lang="en-CR" smtClean="0"/>
-              <a:t>9/7/23</a:t>
+              <a:t>07/13/2023</a:t>
             </a:fld>
             <a:endParaRPr lang="en-CR"/>
           </a:p>
@@ -8963,7 +8969,7 @@
           <a:p>
             <a:fld id="{D817ABCC-970A-BF47-BD28-D49DB9AF8C04}" type="slidenum">
               <a:rPr lang="en-CR" smtClean="0"/>
-              <a:t>‹#›</a:t>
+              <a:t>‹Nº›</a:t>
             </a:fld>
             <a:endParaRPr lang="en-CR"/>
           </a:p>
@@ -9022,7 +9028,7 @@
           <a:p>
             <a:fld id="{6AB3FBD5-93E1-3544-B5FC-7BAB6E5007C7}" type="datetimeFigureOut">
               <a:rPr lang="en-CR" smtClean="0"/>
-              <a:t>9/7/23</a:t>
+              <a:t>07/13/2023</a:t>
             </a:fld>
             <a:endParaRPr lang="en-CR"/>
           </a:p>
@@ -9076,7 +9082,7 @@
           <a:p>
             <a:fld id="{D817ABCC-970A-BF47-BD28-D49DB9AF8C04}" type="slidenum">
               <a:rPr lang="en-CR" smtClean="0"/>
-              <a:t>‹#›</a:t>
+              <a:t>‹Nº›</a:t>
             </a:fld>
             <a:endParaRPr lang="en-CR"/>
           </a:p>
@@ -9335,7 +9341,7 @@
           <a:p>
             <a:fld id="{6AB3FBD5-93E1-3544-B5FC-7BAB6E5007C7}" type="datetimeFigureOut">
               <a:rPr lang="en-CR" smtClean="0"/>
-              <a:t>9/7/23</a:t>
+              <a:t>07/13/2023</a:t>
             </a:fld>
             <a:endParaRPr lang="en-CR"/>
           </a:p>
@@ -9389,7 +9395,7 @@
           <a:p>
             <a:fld id="{D817ABCC-970A-BF47-BD28-D49DB9AF8C04}" type="slidenum">
               <a:rPr lang="en-CR" smtClean="0"/>
-              <a:t>‹#›</a:t>
+              <a:t>‹Nº›</a:t>
             </a:fld>
             <a:endParaRPr lang="en-CR"/>
           </a:p>
@@ -9624,7 +9630,7 @@
           <a:p>
             <a:fld id="{6AB3FBD5-93E1-3544-B5FC-7BAB6E5007C7}" type="datetimeFigureOut">
               <a:rPr lang="en-CR" smtClean="0"/>
-              <a:t>9/7/23</a:t>
+              <a:t>07/13/2023</a:t>
             </a:fld>
             <a:endParaRPr lang="en-CR"/>
           </a:p>
@@ -9678,7 +9684,7 @@
           <a:p>
             <a:fld id="{D817ABCC-970A-BF47-BD28-D49DB9AF8C04}" type="slidenum">
               <a:rPr lang="en-CR" smtClean="0"/>
-              <a:t>‹#›</a:t>
+              <a:t>‹Nº›</a:t>
             </a:fld>
             <a:endParaRPr lang="en-CR"/>
           </a:p>
@@ -9867,7 +9873,7 @@
           <a:p>
             <a:fld id="{6AB3FBD5-93E1-3544-B5FC-7BAB6E5007C7}" type="datetimeFigureOut">
               <a:rPr lang="en-CR" smtClean="0"/>
-              <a:t>9/7/23</a:t>
+              <a:t>07/13/2023</a:t>
             </a:fld>
             <a:endParaRPr lang="en-CR"/>
           </a:p>
@@ -9957,7 +9963,7 @@
           <a:p>
             <a:fld id="{D817ABCC-970A-BF47-BD28-D49DB9AF8C04}" type="slidenum">
               <a:rPr lang="en-CR" smtClean="0"/>
-              <a:t>‹#›</a:t>
+              <a:t>‹Nº›</a:t>
             </a:fld>
             <a:endParaRPr lang="en-CR"/>
           </a:p>
@@ -10899,6 +10905,1359 @@
           <a:chExt cx="0" cy="0"/>
         </a:xfrm>
       </p:grpSpPr>
+      <p:sp useBgFill="1">
+        <p:nvSpPr>
+          <p:cNvPr id="1031" name="Rectangle 1030">
+            <a:extLst>
+              <a:ext uri="{FF2B5EF4-FFF2-40B4-BE49-F238E27FC236}">
+                <a16:creationId xmlns:a16="http://schemas.microsoft.com/office/drawing/2014/main" id="{854DEE1C-7FD6-4FA0-A96A-BDF952F199AB}"/>
+              </a:ext>
+              <a:ext uri="{C183D7F6-B498-43B3-948B-1728B52AA6E4}">
+                <adec:decorative xmlns:adec="http://schemas.microsoft.com/office/drawing/2017/decorative" val="1"/>
+              </a:ext>
+            </a:extLst>
+          </p:cNvPr>
+          <p:cNvSpPr>
+            <a:spLocks noGrp="1" noRot="1" noChangeAspect="1" noMove="1" noResize="1" noEditPoints="1" noAdjustHandles="1" noChangeArrowheads="1" noChangeShapeType="1" noTextEdit="1"/>
+          </p:cNvSpPr>
+          <p:nvPr>
+            <p:extLst>
+              <p:ext uri="{386F3935-93C4-4BCD-93E2-E3B085C9AB24}">
+                <p16:designElem xmlns:p16="http://schemas.microsoft.com/office/powerpoint/2015/main" val="1"/>
+              </p:ext>
+            </p:extLst>
+          </p:nvPr>
+        </p:nvSpPr>
+        <p:spPr>
+          <a:xfrm>
+            <a:off x="0" y="0"/>
+            <a:ext cx="12188952" cy="6858000"/>
+          </a:xfrm>
+          <a:prstGeom prst="rect">
+            <a:avLst/>
+          </a:prstGeom>
+          <a:ln>
+            <a:noFill/>
+          </a:ln>
+        </p:spPr>
+        <p:style>
+          <a:lnRef idx="2">
+            <a:schemeClr val="accent1">
+              <a:shade val="50000"/>
+            </a:schemeClr>
+          </a:lnRef>
+          <a:fillRef idx="1">
+            <a:schemeClr val="accent1"/>
+          </a:fillRef>
+          <a:effectRef idx="0">
+            <a:schemeClr val="accent1"/>
+          </a:effectRef>
+          <a:fontRef idx="minor">
+            <a:schemeClr val="lt1"/>
+          </a:fontRef>
+        </p:style>
+        <p:txBody>
+          <a:bodyPr rtlCol="0" anchor="ctr"/>
+          <a:lstStyle/>
+          <a:p>
+            <a:pPr algn="ctr"/>
+            <a:endParaRPr lang="en-US" dirty="0"/>
+          </a:p>
+        </p:txBody>
+      </p:sp>
+      <p:sp>
+        <p:nvSpPr>
+          <p:cNvPr id="2" name="Título 1">
+            <a:extLst>
+              <a:ext uri="{FF2B5EF4-FFF2-40B4-BE49-F238E27FC236}">
+                <a16:creationId xmlns:a16="http://schemas.microsoft.com/office/drawing/2014/main" id="{239BCDE6-DBEF-4D6C-AA66-26F3420C7C8B}"/>
+              </a:ext>
+            </a:extLst>
+          </p:cNvPr>
+          <p:cNvSpPr>
+            <a:spLocks noGrp="1"/>
+          </p:cNvSpPr>
+          <p:nvPr>
+            <p:ph type="ctrTitle"/>
+          </p:nvPr>
+        </p:nvSpPr>
+        <p:spPr>
+          <a:xfrm>
+            <a:off x="1524000" y="4370227"/>
+            <a:ext cx="9144000" cy="1193138"/>
+          </a:xfrm>
+        </p:spPr>
+        <p:txBody>
+          <a:bodyPr>
+            <a:normAutofit/>
+          </a:bodyPr>
+          <a:lstStyle/>
+          <a:p>
+            <a:r>
+              <a:rPr lang="es-MX" sz="4400" dirty="0"/>
+              <a:t>Conclusiones y Recomendaciones</a:t>
+            </a:r>
+            <a:endParaRPr lang="es-CR" sz="4400" dirty="0"/>
+          </a:p>
+        </p:txBody>
+      </p:sp>
+      <p:pic>
+        <p:nvPicPr>
+          <p:cNvPr id="1026" name="Picture 2" descr="Facebook Announces $12/Month 'Meta Verified' Subscription Service -  MacRumors">
+            <a:extLst>
+              <a:ext uri="{FF2B5EF4-FFF2-40B4-BE49-F238E27FC236}">
+                <a16:creationId xmlns:a16="http://schemas.microsoft.com/office/drawing/2014/main" id="{5D4289B0-4F23-23A0-B5F1-486390238C9A}"/>
+              </a:ext>
+            </a:extLst>
+          </p:cNvPr>
+          <p:cNvPicPr>
+            <a:picLocks noChangeAspect="1" noChangeArrowheads="1"/>
+          </p:cNvPicPr>
+          <p:nvPr/>
+        </p:nvPicPr>
+        <p:blipFill rotWithShape="1">
+          <a:blip r:embed="rId2">
+            <a:extLst>
+              <a:ext uri="{28A0092B-C50C-407E-A947-70E740481C1C}">
+                <a14:useLocalDpi xmlns:a14="http://schemas.microsoft.com/office/drawing/2010/main" val="0"/>
+              </a:ext>
+            </a:extLst>
+          </a:blip>
+          <a:srcRect t="17982" r="-1" b="6719"/>
+          <a:stretch/>
+        </p:blipFill>
+        <p:spPr bwMode="auto">
+          <a:xfrm>
+            <a:off x="1690046" y="386205"/>
+            <a:ext cx="8903441" cy="3766876"/>
+          </a:xfrm>
+          <a:custGeom>
+            <a:avLst/>
+            <a:gdLst/>
+            <a:ahLst/>
+            <a:cxnLst/>
+            <a:rect l="l" t="t" r="r" b="b"/>
+            <a:pathLst>
+              <a:path w="8903441" h="3766876">
+                <a:moveTo>
+                  <a:pt x="8890380" y="1667288"/>
+                </a:moveTo>
+                <a:lnTo>
+                  <a:pt x="8895460" y="1677046"/>
+                </a:lnTo>
+                <a:cubicBezTo>
+                  <a:pt x="8905866" y="1703466"/>
+                  <a:pt x="8906717" y="1724063"/>
+                  <a:pt x="8894323" y="1729738"/>
+                </a:cubicBezTo>
+                <a:lnTo>
+                  <a:pt x="8891365" y="1729349"/>
+                </a:lnTo>
+                <a:lnTo>
+                  <a:pt x="8891421" y="1712412"/>
+                </a:lnTo>
+                <a:cubicBezTo>
+                  <a:pt x="8891337" y="1700170"/>
+                  <a:pt x="8891138" y="1688653"/>
+                  <a:pt x="8890856" y="1678595"/>
+                </a:cubicBezTo>
+                <a:close/>
+                <a:moveTo>
+                  <a:pt x="8888451" y="1641624"/>
+                </a:moveTo>
+                <a:cubicBezTo>
+                  <a:pt x="8888927" y="1642911"/>
+                  <a:pt x="8889388" y="1647125"/>
+                  <a:pt x="8889800" y="1653531"/>
+                </a:cubicBezTo>
+                <a:lnTo>
+                  <a:pt x="8890380" y="1667288"/>
+                </a:lnTo>
+                <a:lnTo>
+                  <a:pt x="8884645" y="1656272"/>
+                </a:lnTo>
+                <a:lnTo>
+                  <a:pt x="8886368" y="1643902"/>
+                </a:lnTo>
+                <a:cubicBezTo>
+                  <a:pt x="8887058" y="1640758"/>
+                  <a:pt x="8887743" y="1639762"/>
+                  <a:pt x="8888451" y="1641624"/>
+                </a:cubicBezTo>
+                <a:close/>
+                <a:moveTo>
+                  <a:pt x="999724" y="1241031"/>
+                </a:moveTo>
+                <a:cubicBezTo>
+                  <a:pt x="998379" y="1242269"/>
+                  <a:pt x="996554" y="1243547"/>
+                  <a:pt x="995210" y="1244785"/>
+                </a:cubicBezTo>
+                <a:cubicBezTo>
+                  <a:pt x="1005261" y="1248940"/>
+                  <a:pt x="1015746" y="1252497"/>
+                  <a:pt x="1025774" y="1256374"/>
+                </a:cubicBezTo>
+                <a:cubicBezTo>
+                  <a:pt x="1037480" y="1257305"/>
+                  <a:pt x="1049668" y="1258195"/>
+                  <a:pt x="1060894" y="1259168"/>
+                </a:cubicBezTo>
+                <a:cubicBezTo>
+                  <a:pt x="1040504" y="1253123"/>
+                  <a:pt x="1020115" y="1247076"/>
+                  <a:pt x="999724" y="1241031"/>
+                </a:cubicBezTo>
+                <a:close/>
+                <a:moveTo>
+                  <a:pt x="1319296" y="820371"/>
+                </a:moveTo>
+                <a:cubicBezTo>
+                  <a:pt x="1421680" y="872109"/>
+                  <a:pt x="1548101" y="905226"/>
+                  <a:pt x="1681342" y="933268"/>
+                </a:cubicBezTo>
+                <a:cubicBezTo>
+                  <a:pt x="1683167" y="931988"/>
+                  <a:pt x="1684512" y="930751"/>
+                  <a:pt x="1686338" y="929471"/>
+                </a:cubicBezTo>
+                <a:cubicBezTo>
+                  <a:pt x="1563998" y="893197"/>
+                  <a:pt x="1441635" y="856646"/>
+                  <a:pt x="1319296" y="820371"/>
+                </a:cubicBezTo>
+                <a:close/>
+                <a:moveTo>
+                  <a:pt x="7894848" y="858"/>
+                </a:moveTo>
+                <a:cubicBezTo>
+                  <a:pt x="7906700" y="3455"/>
+                  <a:pt x="7910528" y="8436"/>
+                  <a:pt x="7907341" y="16271"/>
+                </a:cubicBezTo>
+                <a:cubicBezTo>
+                  <a:pt x="7902882" y="26177"/>
+                  <a:pt x="7893520" y="35394"/>
+                  <a:pt x="7882642" y="43904"/>
+                </a:cubicBezTo>
+                <a:cubicBezTo>
+                  <a:pt x="7831903" y="83897"/>
+                  <a:pt x="7856047" y="94090"/>
+                  <a:pt x="7927648" y="93123"/>
+                </a:cubicBezTo>
+                <a:cubicBezTo>
+                  <a:pt x="7991511" y="92274"/>
+                  <a:pt x="8055318" y="85274"/>
+                  <a:pt x="8119655" y="78787"/>
+                </a:cubicBezTo>
+                <a:cubicBezTo>
+                  <a:pt x="8151329" y="75447"/>
+                  <a:pt x="8152942" y="77265"/>
+                  <a:pt x="8141786" y="93635"/>
+                </a:cubicBezTo>
+                <a:cubicBezTo>
+                  <a:pt x="8123815" y="120677"/>
+                  <a:pt x="8122595" y="145410"/>
+                  <a:pt x="8151055" y="166138"/>
+                </a:cubicBezTo>
+                <a:cubicBezTo>
+                  <a:pt x="8157767" y="170866"/>
+                  <a:pt x="8162605" y="176318"/>
+                  <a:pt x="8160811" y="183471"/>
+                </a:cubicBezTo>
+                <a:cubicBezTo>
+                  <a:pt x="8152723" y="212724"/>
+                  <a:pt x="8169841" y="236686"/>
+                  <a:pt x="8187466" y="260884"/>
+                </a:cubicBezTo>
+                <a:cubicBezTo>
+                  <a:pt x="8217175" y="301371"/>
+                  <a:pt x="8254836" y="338641"/>
+                  <a:pt x="8295790" y="374783"/>
+                </a:cubicBezTo>
+                <a:cubicBezTo>
+                  <a:pt x="8324664" y="400232"/>
+                  <a:pt x="8342922" y="431650"/>
+                  <a:pt x="8406170" y="440370"/>
+                </a:cubicBezTo>
+                <a:cubicBezTo>
+                  <a:pt x="8421364" y="442394"/>
+                  <a:pt x="8426373" y="449790"/>
+                  <a:pt x="8420903" y="459225"/>
+                </a:cubicBezTo>
+                <a:cubicBezTo>
+                  <a:pt x="8402820" y="490474"/>
+                  <a:pt x="8417534" y="514648"/>
+                  <a:pt x="8450800" y="534955"/>
+                </a:cubicBezTo>
+                <a:cubicBezTo>
+                  <a:pt x="8462563" y="542037"/>
+                  <a:pt x="8458146" y="546902"/>
+                  <a:pt x="8442097" y="551669"/>
+                </a:cubicBezTo>
+                <a:cubicBezTo>
+                  <a:pt x="8423667" y="556925"/>
+                  <a:pt x="8409328" y="564619"/>
+                  <a:pt x="8398067" y="574282"/>
+                </a:cubicBezTo>
+                <a:cubicBezTo>
+                  <a:pt x="8379577" y="589897"/>
+                  <a:pt x="8370872" y="606612"/>
+                  <a:pt x="8363634" y="623477"/>
+                </a:cubicBezTo>
+                <a:cubicBezTo>
+                  <a:pt x="8352394" y="649929"/>
+                  <a:pt x="8339133" y="675439"/>
+                  <a:pt x="8295388" y="695789"/>
+                </a:cubicBezTo>
+                <a:cubicBezTo>
+                  <a:pt x="8282368" y="701969"/>
+                  <a:pt x="8271923" y="709882"/>
+                  <a:pt x="8260972" y="717559"/>
+                </a:cubicBezTo>
+                <a:cubicBezTo>
+                  <a:pt x="8264466" y="724248"/>
+                  <a:pt x="8273101" y="728807"/>
+                  <a:pt x="8289132" y="729358"/>
+                </a:cubicBezTo>
+                <a:cubicBezTo>
+                  <a:pt x="8391169" y="732995"/>
+                  <a:pt x="8386647" y="769770"/>
+                  <a:pt x="8387346" y="810845"/>
+                </a:cubicBezTo>
+                <a:cubicBezTo>
+                  <a:pt x="8388418" y="861681"/>
+                  <a:pt x="8330862" y="890238"/>
+                  <a:pt x="8259532" y="916368"/>
+                </a:cubicBezTo>
+                <a:cubicBezTo>
+                  <a:pt x="8235122" y="925226"/>
+                  <a:pt x="8199529" y="928071"/>
+                  <a:pt x="8191769" y="950020"/>
+                </a:cubicBezTo>
+                <a:cubicBezTo>
+                  <a:pt x="8234379" y="966427"/>
+                  <a:pt x="8282955" y="945934"/>
+                  <a:pt x="8327664" y="947606"/>
+                </a:cubicBezTo>
+                <a:cubicBezTo>
+                  <a:pt x="8364609" y="949119"/>
+                  <a:pt x="8424473" y="941347"/>
+                  <a:pt x="8378206" y="982626"/>
+                </a:cubicBezTo>
+                <a:cubicBezTo>
+                  <a:pt x="8364736" y="994722"/>
+                  <a:pt x="8382242" y="1001021"/>
+                  <a:pt x="8400605" y="1000529"/>
+                </a:cubicBezTo>
+                <a:cubicBezTo>
+                  <a:pt x="8549357" y="995586"/>
+                  <a:pt x="8487684" y="1076555"/>
+                  <a:pt x="8538706" y="1111533"/>
+                </a:cubicBezTo>
+                <a:cubicBezTo>
+                  <a:pt x="8553092" y="1120905"/>
+                  <a:pt x="8540810" y="1141011"/>
+                  <a:pt x="8520556" y="1147547"/>
+                </a:cubicBezTo>
+                <a:cubicBezTo>
+                  <a:pt x="8392015" y="1189611"/>
+                  <a:pt x="8380569" y="1263373"/>
+                  <a:pt x="8322605" y="1331423"/>
+                </a:cubicBezTo>
+                <a:cubicBezTo>
+                  <a:pt x="8393509" y="1350105"/>
+                  <a:pt x="8476647" y="1348124"/>
+                  <a:pt x="8552563" y="1357692"/>
+                </a:cubicBezTo>
+                <a:cubicBezTo>
+                  <a:pt x="8631413" y="1367560"/>
+                  <a:pt x="8632510" y="1380057"/>
+                  <a:pt x="8572872" y="1434543"/>
+                </a:cubicBezTo>
+                <a:cubicBezTo>
+                  <a:pt x="8740108" y="1430496"/>
+                  <a:pt x="8740108" y="1430496"/>
+                  <a:pt x="8695911" y="1511890"/>
+                </a:cubicBezTo>
+                <a:cubicBezTo>
+                  <a:pt x="8766152" y="1509223"/>
+                  <a:pt x="8835070" y="1574251"/>
+                  <a:pt x="8873147" y="1634187"/>
+                </a:cubicBezTo>
+                <a:lnTo>
+                  <a:pt x="8884645" y="1656272"/>
+                </a:lnTo>
+                <a:lnTo>
+                  <a:pt x="8884254" y="1659075"/>
+                </a:lnTo>
+                <a:cubicBezTo>
+                  <a:pt x="8882795" y="1672543"/>
+                  <a:pt x="8881198" y="1691773"/>
+                  <a:pt x="8879232" y="1711097"/>
+                </a:cubicBezTo>
+                <a:lnTo>
+                  <a:pt x="8877347" y="1727504"/>
+                </a:lnTo>
+                <a:lnTo>
+                  <a:pt x="8865337" y="1725923"/>
+                </a:lnTo>
+                <a:cubicBezTo>
+                  <a:pt x="8855639" y="1721668"/>
+                  <a:pt x="8848716" y="1720054"/>
+                  <a:pt x="8843722" y="1720152"/>
+                </a:cubicBezTo>
+                <a:cubicBezTo>
+                  <a:pt x="8828739" y="1720444"/>
+                  <a:pt x="8831115" y="1736133"/>
+                  <a:pt x="8828004" y="1742073"/>
+                </a:cubicBezTo>
+                <a:cubicBezTo>
+                  <a:pt x="8817547" y="1760900"/>
+                  <a:pt x="8843589" y="1770647"/>
+                  <a:pt x="8861127" y="1782820"/>
+                </a:cubicBezTo>
+                <a:cubicBezTo>
+                  <a:pt x="8867694" y="1787281"/>
+                  <a:pt x="8872382" y="1766445"/>
+                  <a:pt x="8875975" y="1739445"/>
+                </a:cubicBezTo>
+                <a:lnTo>
+                  <a:pt x="8877347" y="1727504"/>
+                </a:lnTo>
+                <a:lnTo>
+                  <a:pt x="8891365" y="1729349"/>
+                </a:lnTo>
+                <a:lnTo>
+                  <a:pt x="8891294" y="1750579"/>
+                </a:lnTo>
+                <a:cubicBezTo>
+                  <a:pt x="8890576" y="1802412"/>
+                  <a:pt x="8887485" y="1854103"/>
+                  <a:pt x="8879895" y="1858687"/>
+                </a:cubicBezTo>
+                <a:cubicBezTo>
+                  <a:pt x="8799411" y="1907447"/>
+                  <a:pt x="8858072" y="1996322"/>
+                  <a:pt x="8700018" y="2022228"/>
+                </a:cubicBezTo>
+                <a:cubicBezTo>
+                  <a:pt x="8628887" y="2034069"/>
+                  <a:pt x="8597252" y="2070985"/>
+                  <a:pt x="8546517" y="2094468"/>
+                </a:cubicBezTo>
+                <a:cubicBezTo>
+                  <a:pt x="8369592" y="2175758"/>
+                  <a:pt x="8254890" y="2270617"/>
+                  <a:pt x="8208310" y="2391116"/>
+                </a:cubicBezTo>
+                <a:cubicBezTo>
+                  <a:pt x="8195251" y="2424444"/>
+                  <a:pt x="8137916" y="2455501"/>
+                  <a:pt x="8101924" y="2486924"/>
+                </a:cubicBezTo>
+                <a:cubicBezTo>
+                  <a:pt x="8122498" y="2506105"/>
+                  <a:pt x="8219539" y="2452814"/>
+                  <a:pt x="8188722" y="2510086"/>
+                </a:cubicBezTo>
+                <a:cubicBezTo>
+                  <a:pt x="8165388" y="2553270"/>
+                  <a:pt x="8098391" y="2584616"/>
+                  <a:pt x="8035596" y="2614194"/>
+                </a:cubicBezTo>
+                <a:cubicBezTo>
+                  <a:pt x="7963481" y="2647947"/>
+                  <a:pt x="7883214" y="2677100"/>
+                  <a:pt x="7854509" y="2730830"/>
+                </a:cubicBezTo>
+                <a:cubicBezTo>
+                  <a:pt x="7848249" y="2742293"/>
+                  <a:pt x="6341566" y="3671513"/>
+                  <a:pt x="4141410" y="3763614"/>
+                </a:cubicBezTo>
+                <a:cubicBezTo>
+                  <a:pt x="3781875" y="3778662"/>
+                  <a:pt x="2353277" y="3737838"/>
+                  <a:pt x="2161737" y="3718831"/>
+                </a:cubicBezTo>
+                <a:cubicBezTo>
+                  <a:pt x="1964811" y="3699179"/>
+                  <a:pt x="1793107" y="3646810"/>
+                  <a:pt x="1591600" y="3635674"/>
+                </a:cubicBezTo>
+                <a:cubicBezTo>
+                  <a:pt x="1485018" y="3629919"/>
+                  <a:pt x="1381185" y="3611329"/>
+                  <a:pt x="1390654" y="3531585"/>
+                </a:cubicBezTo>
+                <a:cubicBezTo>
+                  <a:pt x="1393510" y="3508948"/>
+                  <a:pt x="1364047" y="3493344"/>
+                  <a:pt x="1320867" y="3503571"/>
+                </a:cubicBezTo>
+                <a:cubicBezTo>
+                  <a:pt x="1239265" y="3523046"/>
+                  <a:pt x="1198946" y="3494124"/>
+                  <a:pt x="1150681" y="3474015"/>
+                </a:cubicBezTo>
+                <a:cubicBezTo>
+                  <a:pt x="1065213" y="3438422"/>
+                  <a:pt x="982868" y="3399757"/>
+                  <a:pt x="851974" y="3403971"/>
+                </a:cubicBezTo>
+                <a:cubicBezTo>
+                  <a:pt x="873994" y="3367898"/>
+                  <a:pt x="917237" y="3369420"/>
+                  <a:pt x="956780" y="3372944"/>
+                </a:cubicBezTo>
+                <a:cubicBezTo>
+                  <a:pt x="1061276" y="3382521"/>
+                  <a:pt x="1164043" y="3394488"/>
+                  <a:pt x="1268515" y="3403788"/>
+                </a:cubicBezTo>
+                <a:cubicBezTo>
+                  <a:pt x="1336376" y="3409863"/>
+                  <a:pt x="1404651" y="3420660"/>
+                  <a:pt x="1492884" y="3399484"/>
+                </a:cubicBezTo>
+                <a:cubicBezTo>
+                  <a:pt x="1410006" y="3338199"/>
+                  <a:pt x="1277736" y="3337777"/>
+                  <a:pt x="1169657" y="3325996"/>
+                </a:cubicBezTo>
+                <a:cubicBezTo>
+                  <a:pt x="1034677" y="3311259"/>
+                  <a:pt x="951965" y="3268429"/>
+                  <a:pt x="853866" y="3221353"/>
+                </a:cubicBezTo>
+                <a:cubicBezTo>
+                  <a:pt x="950752" y="3199416"/>
+                  <a:pt x="1014418" y="3234964"/>
+                  <a:pt x="1090648" y="3226034"/>
+                </a:cubicBezTo>
+                <a:cubicBezTo>
+                  <a:pt x="1094340" y="3218434"/>
+                  <a:pt x="1100169" y="3207568"/>
+                  <a:pt x="1099183" y="3207375"/>
+                </a:cubicBezTo>
+                <a:cubicBezTo>
+                  <a:pt x="971072" y="3188118"/>
+                  <a:pt x="907890" y="3136018"/>
+                  <a:pt x="882137" y="3068880"/>
+                </a:cubicBezTo>
+                <a:cubicBezTo>
+                  <a:pt x="868924" y="3034221"/>
+                  <a:pt x="822286" y="3027121"/>
+                  <a:pt x="776145" y="3014660"/>
+                </a:cubicBezTo>
+                <a:cubicBezTo>
+                  <a:pt x="613874" y="2970419"/>
+                  <a:pt x="443486" y="2933046"/>
+                  <a:pt x="307191" y="2864697"/>
+                </a:cubicBezTo>
+                <a:cubicBezTo>
+                  <a:pt x="457123" y="2862170"/>
+                  <a:pt x="581367" y="2903594"/>
+                  <a:pt x="743379" y="2911759"/>
+                </a:cubicBezTo>
+                <a:cubicBezTo>
+                  <a:pt x="608349" y="2835743"/>
+                  <a:pt x="439124" y="2806104"/>
+                  <a:pt x="284020" y="2766269"/>
+                </a:cubicBezTo>
+                <a:cubicBezTo>
+                  <a:pt x="213164" y="2748143"/>
+                  <a:pt x="147010" y="2722889"/>
+                  <a:pt x="63190" y="2717094"/>
+                </a:cubicBezTo>
+                <a:cubicBezTo>
+                  <a:pt x="33455" y="2714947"/>
+                  <a:pt x="-16425" y="2709531"/>
+                  <a:pt x="5340" y="2681595"/>
+                </a:cubicBezTo>
+                <a:cubicBezTo>
+                  <a:pt x="23652" y="2658441"/>
+                  <a:pt x="63627" y="2661368"/>
+                  <a:pt x="100237" y="2664591"/>
+                </a:cubicBezTo>
+                <a:cubicBezTo>
+                  <a:pt x="188123" y="2672547"/>
+                  <a:pt x="277551" y="2664977"/>
+                  <a:pt x="394328" y="2654447"/>
+                </a:cubicBezTo>
+                <a:cubicBezTo>
+                  <a:pt x="290057" y="2592242"/>
+                  <a:pt x="112140" y="2629127"/>
+                  <a:pt x="21491" y="2562088"/>
+                </a:cubicBezTo>
+                <a:cubicBezTo>
+                  <a:pt x="125636" y="2540073"/>
+                  <a:pt x="208727" y="2559644"/>
+                  <a:pt x="294268" y="2557453"/>
+                </a:cubicBezTo>
+                <a:cubicBezTo>
+                  <a:pt x="371589" y="2555423"/>
+                  <a:pt x="389695" y="2540961"/>
+                  <a:pt x="367847" y="2501743"/>
+                </a:cubicBezTo>
+                <a:cubicBezTo>
+                  <a:pt x="333905" y="2440640"/>
+                  <a:pt x="373328" y="2404160"/>
+                  <a:pt x="486858" y="2411824"/>
+                </a:cubicBezTo>
+                <a:cubicBezTo>
+                  <a:pt x="592120" y="2419095"/>
+                  <a:pt x="600599" y="2394285"/>
+                  <a:pt x="570008" y="2360312"/>
+                </a:cubicBezTo>
+                <a:cubicBezTo>
+                  <a:pt x="525457" y="2310774"/>
+                  <a:pt x="567057" y="2265987"/>
+                  <a:pt x="594400" y="2218813"/>
+                </a:cubicBezTo>
+                <a:cubicBezTo>
+                  <a:pt x="635581" y="2147198"/>
+                  <a:pt x="612469" y="2115647"/>
+                  <a:pt x="505675" y="2074370"/>
+                </a:cubicBezTo>
+                <a:cubicBezTo>
+                  <a:pt x="445534" y="2051386"/>
+                  <a:pt x="381431" y="2032947"/>
+                  <a:pt x="295650" y="2015851"/>
+                </a:cubicBezTo>
+                <a:cubicBezTo>
+                  <a:pt x="487251" y="1985881"/>
+                  <a:pt x="281423" y="1958614"/>
+                  <a:pt x="346760" y="1924896"/>
+                </a:cubicBezTo>
+                <a:cubicBezTo>
+                  <a:pt x="481788" y="1901571"/>
+                  <a:pt x="600623" y="1980687"/>
+                  <a:pt x="783461" y="1939173"/>
+                </a:cubicBezTo>
+                <a:cubicBezTo>
+                  <a:pt x="547912" y="1882335"/>
+                  <a:pt x="287006" y="1807013"/>
+                  <a:pt x="112183" y="1719100"/>
+                </a:cubicBezTo>
+                <a:cubicBezTo>
+                  <a:pt x="148588" y="1692398"/>
+                  <a:pt x="188462" y="1710725"/>
+                  <a:pt x="219936" y="1699568"/>
+                </a:cubicBezTo>
+                <a:cubicBezTo>
+                  <a:pt x="218006" y="1694140"/>
+                  <a:pt x="220184" y="1685834"/>
+                  <a:pt x="214196" y="1683841"/>
+                </a:cubicBezTo>
+                <a:cubicBezTo>
+                  <a:pt x="85284" y="1638910"/>
+                  <a:pt x="83720" y="1637648"/>
+                  <a:pt x="212296" y="1584947"/>
+                </a:cubicBezTo>
+                <a:cubicBezTo>
+                  <a:pt x="257172" y="1566456"/>
+                  <a:pt x="252206" y="1554019"/>
+                  <a:pt x="226108" y="1538121"/>
+                </a:cubicBezTo>
+                <a:cubicBezTo>
+                  <a:pt x="207682" y="1526866"/>
+                  <a:pt x="185078" y="1517656"/>
+                  <a:pt x="192710" y="1488723"/>
+                </a:cubicBezTo>
+                <a:cubicBezTo>
+                  <a:pt x="268435" y="1518175"/>
+                  <a:pt x="624154" y="1547955"/>
+                  <a:pt x="685843" y="1538903"/>
+                </a:cubicBezTo>
+                <a:cubicBezTo>
+                  <a:pt x="755173" y="1528619"/>
+                  <a:pt x="994201" y="1520231"/>
+                  <a:pt x="1067153" y="1523622"/>
+                </a:cubicBezTo>
+                <a:cubicBezTo>
+                  <a:pt x="1063138" y="1522015"/>
+                  <a:pt x="1059122" y="1520410"/>
+                  <a:pt x="1055106" y="1518803"/>
+                </a:cubicBezTo>
+                <a:cubicBezTo>
+                  <a:pt x="983007" y="1486514"/>
+                  <a:pt x="909946" y="1454310"/>
+                  <a:pt x="864245" y="1408231"/>
+                </a:cubicBezTo>
+                <a:cubicBezTo>
+                  <a:pt x="862153" y="1406456"/>
+                  <a:pt x="861045" y="1404874"/>
+                  <a:pt x="856768" y="1405809"/>
+                </a:cubicBezTo>
+                <a:cubicBezTo>
+                  <a:pt x="819307" y="1414974"/>
+                  <a:pt x="822846" y="1400112"/>
+                  <a:pt x="821342" y="1388491"/>
+                </a:cubicBezTo>
+                <a:cubicBezTo>
+                  <a:pt x="819813" y="1376592"/>
+                  <a:pt x="812736" y="1367699"/>
+                  <a:pt x="784954" y="1371257"/>
+                </a:cubicBezTo>
+                <a:cubicBezTo>
+                  <a:pt x="783512" y="1371384"/>
+                  <a:pt x="781566" y="1371274"/>
+                  <a:pt x="779619" y="1371165"/>
+                </a:cubicBezTo>
+                <a:cubicBezTo>
+                  <a:pt x="766469" y="1370361"/>
+                  <a:pt x="722835" y="1342290"/>
+                  <a:pt x="728571" y="1335910"/>
+                </a:cubicBezTo>
+                <a:cubicBezTo>
+                  <a:pt x="741389" y="1321912"/>
+                  <a:pt x="726409" y="1316791"/>
+                  <a:pt x="713734" y="1310348"/>
+                </a:cubicBezTo>
+                <a:cubicBezTo>
+                  <a:pt x="696009" y="1301550"/>
+                  <a:pt x="678333" y="1293308"/>
+                  <a:pt x="659695" y="1285149"/>
+                </a:cubicBezTo>
+                <a:cubicBezTo>
+                  <a:pt x="641562" y="1277227"/>
+                  <a:pt x="622997" y="1269901"/>
+                  <a:pt x="604409" y="1262299"/>
+                </a:cubicBezTo>
+                <a:cubicBezTo>
+                  <a:pt x="561305" y="1256847"/>
+                  <a:pt x="517819" y="1252549"/>
+                  <a:pt x="472556" y="1250086"/>
+                </a:cubicBezTo>
+                <a:cubicBezTo>
+                  <a:pt x="438951" y="1247999"/>
+                  <a:pt x="401379" y="1244860"/>
+                  <a:pt x="382690" y="1214040"/>
+                </a:cubicBezTo>
+                <a:cubicBezTo>
+                  <a:pt x="418096" y="1214570"/>
+                  <a:pt x="453575" y="1215933"/>
+                  <a:pt x="489053" y="1217296"/>
+                </a:cubicBezTo>
+                <a:cubicBezTo>
+                  <a:pt x="454954" y="1204059"/>
+                  <a:pt x="421816" y="1190737"/>
+                  <a:pt x="390047" y="1176456"/>
+                </a:cubicBezTo>
+                <a:cubicBezTo>
+                  <a:pt x="363810" y="1164487"/>
+                  <a:pt x="342232" y="1150431"/>
+                  <a:pt x="333292" y="1131347"/>
+                </a:cubicBezTo>
+                <a:cubicBezTo>
+                  <a:pt x="330930" y="1126518"/>
+                  <a:pt x="329025" y="1121368"/>
+                  <a:pt x="337841" y="1116956"/>
+                </a:cubicBezTo>
+                <a:cubicBezTo>
+                  <a:pt x="347569" y="1111905"/>
+                  <a:pt x="355552" y="1114562"/>
+                  <a:pt x="363031" y="1116984"/>
+                </a:cubicBezTo>
+                <a:cubicBezTo>
+                  <a:pt x="393929" y="1126864"/>
+                  <a:pt x="425283" y="1136425"/>
+                  <a:pt x="455724" y="1146625"/>
+                </a:cubicBezTo>
+                <a:cubicBezTo>
+                  <a:pt x="496146" y="1160147"/>
+                  <a:pt x="536111" y="1173989"/>
+                  <a:pt x="576050" y="1187553"/>
+                </a:cubicBezTo>
+                <a:cubicBezTo>
+                  <a:pt x="519650" y="1157524"/>
+                  <a:pt x="457798" y="1131612"/>
+                  <a:pt x="391358" y="1108621"/>
+                </a:cubicBezTo>
+                <a:cubicBezTo>
+                  <a:pt x="343386" y="1091844"/>
+                  <a:pt x="295414" y="1075067"/>
+                  <a:pt x="258466" y="1051446"/>
+                </a:cubicBezTo>
+                <a:cubicBezTo>
+                  <a:pt x="239512" y="1039678"/>
+                  <a:pt x="230024" y="1025400"/>
+                  <a:pt x="227119" y="1008864"/>
+                </a:cubicBezTo>
+                <a:cubicBezTo>
+                  <a:pt x="226729" y="1004421"/>
+                  <a:pt x="227253" y="999338"/>
+                  <a:pt x="237176" y="996508"/>
+                </a:cubicBezTo>
+                <a:cubicBezTo>
+                  <a:pt x="247123" y="993956"/>
+                  <a:pt x="253208" y="997060"/>
+                  <a:pt x="257395" y="1000610"/>
+                </a:cubicBezTo>
+                <a:cubicBezTo>
+                  <a:pt x="262111" y="1004674"/>
+                  <a:pt x="267716" y="1007820"/>
+                  <a:pt x="275649" y="1009921"/>
+                </a:cubicBezTo>
+                <a:cubicBezTo>
+                  <a:pt x="345186" y="1029563"/>
+                  <a:pt x="406508" y="1054962"/>
+                  <a:pt x="469199" y="1079402"/>
+                </a:cubicBezTo>
+                <a:cubicBezTo>
+                  <a:pt x="558968" y="1114336"/>
+                  <a:pt x="647368" y="1150231"/>
+                  <a:pt x="753033" y="1173138"/>
+                </a:cubicBezTo>
+                <a:cubicBezTo>
+                  <a:pt x="793015" y="1181661"/>
+                  <a:pt x="834292" y="1188391"/>
+                  <a:pt x="865682" y="1187316"/>
+                </a:cubicBezTo>
+                <a:cubicBezTo>
+                  <a:pt x="750261" y="1147076"/>
+                  <a:pt x="641375" y="1104025"/>
+                  <a:pt x="543487" y="1053852"/>
+                </a:cubicBezTo>
+                <a:cubicBezTo>
+                  <a:pt x="444589" y="1003208"/>
+                  <a:pt x="357848" y="947579"/>
+                  <a:pt x="295297" y="880592"/>
+                </a:cubicBezTo>
+                <a:cubicBezTo>
+                  <a:pt x="288871" y="873601"/>
+                  <a:pt x="284873" y="866676"/>
+                  <a:pt x="264758" y="869281"/>
+                </a:cubicBezTo>
+                <a:cubicBezTo>
+                  <a:pt x="255650" y="870360"/>
+                  <a:pt x="252375" y="866170"/>
+                  <a:pt x="254388" y="861516"/>
+                </a:cubicBezTo>
+                <a:cubicBezTo>
+                  <a:pt x="266992" y="828509"/>
+                  <a:pt x="236853" y="810726"/>
+                  <a:pt x="190786" y="799099"/>
+                </a:cubicBezTo>
+                <a:cubicBezTo>
+                  <a:pt x="176408" y="795324"/>
+                  <a:pt x="175031" y="790688"/>
+                  <a:pt x="184973" y="782539"/>
+                </a:cubicBezTo>
+                <a:cubicBezTo>
+                  <a:pt x="198516" y="771277"/>
+                  <a:pt x="196123" y="760574"/>
+                  <a:pt x="187530" y="750974"/>
+                </a:cubicBezTo>
+                <a:cubicBezTo>
+                  <a:pt x="182644" y="744967"/>
+                  <a:pt x="176339" y="739364"/>
+                  <a:pt x="170996" y="733676"/>
+                </a:cubicBezTo>
+                <a:cubicBezTo>
+                  <a:pt x="167290" y="730083"/>
+                  <a:pt x="161157" y="726424"/>
+                  <a:pt x="169444" y="721499"/>
+                </a:cubicBezTo>
+                <a:cubicBezTo>
+                  <a:pt x="177298" y="717172"/>
+                  <a:pt x="185665" y="718676"/>
+                  <a:pt x="193501" y="719668"/>
+                </a:cubicBezTo>
+                <a:cubicBezTo>
+                  <a:pt x="231170" y="723917"/>
+                  <a:pt x="254043" y="736181"/>
+                  <a:pt x="265436" y="755609"/>
+                </a:cubicBezTo>
+                <a:cubicBezTo>
+                  <a:pt x="273963" y="769971"/>
+                  <a:pt x="281726" y="770130"/>
+                  <a:pt x="302333" y="756567"/>
+                </a:cubicBezTo>
+                <a:cubicBezTo>
+                  <a:pt x="317894" y="746247"/>
+                  <a:pt x="332387" y="745814"/>
+                  <a:pt x="346481" y="751853"/>
+                </a:cubicBezTo>
+                <a:cubicBezTo>
+                  <a:pt x="354007" y="754830"/>
+                  <a:pt x="358771" y="759448"/>
+                  <a:pt x="364449" y="763428"/>
+                </a:cubicBezTo>
+                <a:cubicBezTo>
+                  <a:pt x="392910" y="784156"/>
+                  <a:pt x="422762" y="804202"/>
+                  <a:pt x="467363" y="815678"/>
+                </a:cubicBezTo>
+                <a:cubicBezTo>
+                  <a:pt x="487199" y="820933"/>
+                  <a:pt x="508355" y="824672"/>
+                  <a:pt x="537693" y="816781"/>
+                </a:cubicBezTo>
+                <a:cubicBezTo>
+                  <a:pt x="518386" y="812039"/>
+                  <a:pt x="499567" y="812852"/>
+                  <a:pt x="482019" y="811593"/>
+                </a:cubicBezTo>
+                <a:cubicBezTo>
+                  <a:pt x="464472" y="810335"/>
+                  <a:pt x="454949" y="806693"/>
+                  <a:pt x="467050" y="795557"/>
+                </a:cubicBezTo>
+                <a:cubicBezTo>
+                  <a:pt x="473772" y="789371"/>
+                  <a:pt x="472878" y="784693"/>
+                  <a:pt x="465734" y="780562"/>
+                </a:cubicBezTo>
+                <a:cubicBezTo>
+                  <a:pt x="442763" y="767188"/>
+                  <a:pt x="430336" y="747011"/>
+                  <a:pt x="384526" y="749353"/>
+                </a:cubicBezTo>
+                <a:cubicBezTo>
+                  <a:pt x="382123" y="749564"/>
+                  <a:pt x="379622" y="748664"/>
+                  <a:pt x="377146" y="748041"/>
+                </a:cubicBezTo>
+                <a:cubicBezTo>
+                  <a:pt x="367744" y="745789"/>
+                  <a:pt x="357358" y="743342"/>
+                  <a:pt x="360089" y="735827"/>
+                </a:cubicBezTo>
+                <a:cubicBezTo>
+                  <a:pt x="363301" y="728269"/>
+                  <a:pt x="375652" y="725506"/>
+                  <a:pt x="386634" y="723703"/>
+                </a:cubicBezTo>
+                <a:cubicBezTo>
+                  <a:pt x="414823" y="719269"/>
+                  <a:pt x="437543" y="724271"/>
+                  <a:pt x="459375" y="730191"/>
+                </a:cubicBezTo>
+                <a:cubicBezTo>
+                  <a:pt x="512487" y="744837"/>
+                  <a:pt x="556932" y="765561"/>
+                  <a:pt x="603200" y="785006"/>
+                </a:cubicBezTo>
+                <a:cubicBezTo>
+                  <a:pt x="672604" y="814173"/>
+                  <a:pt x="734250" y="848778"/>
+                  <a:pt x="810521" y="873425"/>
+                </a:cubicBezTo>
+                <a:cubicBezTo>
+                  <a:pt x="1037317" y="946423"/>
+                  <a:pt x="1260943" y="1021938"/>
+                  <a:pt x="1494102" y="1090180"/>
+                </a:cubicBezTo>
+                <a:cubicBezTo>
+                  <a:pt x="1580109" y="1115371"/>
+                  <a:pt x="1667892" y="1138728"/>
+                  <a:pt x="1756565" y="1161167"/>
+                </a:cubicBezTo>
+                <a:cubicBezTo>
+                  <a:pt x="1756899" y="1159458"/>
+                  <a:pt x="1757282" y="1158305"/>
+                  <a:pt x="1757592" y="1156319"/>
+                </a:cubicBezTo>
+                <a:cubicBezTo>
+                  <a:pt x="1757470" y="1154931"/>
+                  <a:pt x="1757324" y="1153264"/>
+                  <a:pt x="1757202" y="1151876"/>
+                </a:cubicBezTo>
+                <a:cubicBezTo>
+                  <a:pt x="1694452" y="1137796"/>
+                  <a:pt x="1632540" y="1122242"/>
+                  <a:pt x="1572453" y="1105409"/>
+                </a:cubicBezTo>
+                <a:cubicBezTo>
+                  <a:pt x="1424942" y="1063789"/>
+                  <a:pt x="1288864" y="1014450"/>
+                  <a:pt x="1171972" y="951953"/>
+                </a:cubicBezTo>
+                <a:cubicBezTo>
+                  <a:pt x="1162328" y="946924"/>
+                  <a:pt x="1152112" y="946421"/>
+                  <a:pt x="1137334" y="949118"/>
+                </a:cubicBezTo>
+                <a:cubicBezTo>
+                  <a:pt x="1089682" y="958058"/>
+                  <a:pt x="1074050" y="951035"/>
+                  <a:pt x="1081493" y="925476"/>
+                </a:cubicBezTo>
+                <a:cubicBezTo>
+                  <a:pt x="1083360" y="919155"/>
+                  <a:pt x="1083403" y="914115"/>
+                  <a:pt x="1074768" y="909555"/>
+                </a:cubicBezTo>
+                <a:cubicBezTo>
+                  <a:pt x="1036165" y="889158"/>
+                  <a:pt x="995714" y="869763"/>
+                  <a:pt x="952019" y="852050"/>
+                </a:cubicBezTo>
+                <a:cubicBezTo>
+                  <a:pt x="871170" y="819410"/>
+                  <a:pt x="784821" y="790332"/>
+                  <a:pt x="709017" y="754450"/>
+                </a:cubicBezTo>
+                <a:cubicBezTo>
+                  <a:pt x="686747" y="743533"/>
+                  <a:pt x="669617" y="730485"/>
+                  <a:pt x="659046" y="714902"/>
+                </a:cubicBezTo>
+                <a:cubicBezTo>
+                  <a:pt x="655674" y="709602"/>
+                  <a:pt x="653624" y="702786"/>
+                  <a:pt x="664793" y="697608"/>
+                </a:cubicBezTo>
+                <a:cubicBezTo>
+                  <a:pt x="675483" y="692472"/>
+                  <a:pt x="684069" y="696476"/>
+                  <a:pt x="692052" y="699133"/>
+                </a:cubicBezTo>
+                <a:cubicBezTo>
+                  <a:pt x="725451" y="709913"/>
+                  <a:pt x="759355" y="720929"/>
+                  <a:pt x="792779" y="731987"/>
+                </a:cubicBezTo>
+                <a:cubicBezTo>
+                  <a:pt x="826682" y="743003"/>
+                  <a:pt x="860155" y="754616"/>
+                  <a:pt x="895574" y="766338"/>
+                </a:cubicBezTo>
+                <a:cubicBezTo>
+                  <a:pt x="897416" y="759741"/>
+                  <a:pt x="890085" y="758985"/>
+                  <a:pt x="886044" y="757101"/>
+                </a:cubicBezTo>
+                <a:cubicBezTo>
+                  <a:pt x="828975" y="730489"/>
+                  <a:pt x="766861" y="707118"/>
+                  <a:pt x="702924" y="685027"/>
+                </a:cubicBezTo>
+                <a:cubicBezTo>
+                  <a:pt x="653460" y="667821"/>
+                  <a:pt x="605342" y="649378"/>
+                  <a:pt x="571540" y="622962"/>
+                </a:cubicBezTo>
+                <a:cubicBezTo>
+                  <a:pt x="558524" y="612632"/>
+                  <a:pt x="551227" y="601239"/>
+                  <a:pt x="552940" y="587657"/>
+                </a:cubicBezTo>
+                <a:cubicBezTo>
+                  <a:pt x="553537" y="583407"/>
+                  <a:pt x="554132" y="579157"/>
+                  <a:pt x="563623" y="576925"/>
+                </a:cubicBezTo>
+                <a:cubicBezTo>
+                  <a:pt x="571217" y="575139"/>
+                  <a:pt x="576243" y="577216"/>
+                  <a:pt x="580332" y="579656"/>
+                </a:cubicBezTo>
+                <a:cubicBezTo>
+                  <a:pt x="587500" y="584063"/>
+                  <a:pt x="594668" y="588471"/>
+                  <a:pt x="604623" y="591516"/>
+                </a:cubicBezTo>
+                <a:cubicBezTo>
+                  <a:pt x="664350" y="609779"/>
+                  <a:pt x="720426" y="630601"/>
+                  <a:pt x="775136" y="652383"/>
+                </a:cubicBezTo>
+                <a:cubicBezTo>
+                  <a:pt x="864952" y="687874"/>
+                  <a:pt x="953882" y="724283"/>
+                  <a:pt x="1057795" y="749301"/>
+                </a:cubicBezTo>
+                <a:cubicBezTo>
+                  <a:pt x="1096889" y="758742"/>
+                  <a:pt x="1137304" y="766668"/>
+                  <a:pt x="1183454" y="768213"/>
+                </a:cubicBezTo>
+                <a:cubicBezTo>
+                  <a:pt x="1181768" y="765563"/>
+                  <a:pt x="1178737" y="764150"/>
+                  <a:pt x="1175732" y="763015"/>
+                </a:cubicBezTo>
+                <a:cubicBezTo>
+                  <a:pt x="1075170" y="726508"/>
+                  <a:pt x="977850" y="688319"/>
+                  <a:pt x="888743" y="644370"/>
+                </a:cubicBezTo>
+                <a:cubicBezTo>
+                  <a:pt x="778881" y="590211"/>
+                  <a:pt x="683912" y="529148"/>
+                  <a:pt x="615490" y="455960"/>
+                </a:cubicBezTo>
+                <a:cubicBezTo>
+                  <a:pt x="612312" y="452882"/>
+                  <a:pt x="610122" y="449996"/>
+                  <a:pt x="602432" y="450671"/>
+                </a:cubicBezTo>
+                <a:cubicBezTo>
+                  <a:pt x="582748" y="452678"/>
+                  <a:pt x="580338" y="447293"/>
+                  <a:pt x="582418" y="437876"/>
+                </a:cubicBezTo>
+                <a:cubicBezTo>
+                  <a:pt x="588134" y="414707"/>
+                  <a:pt x="573498" y="396964"/>
+                  <a:pt x="539211" y="387101"/>
+                </a:cubicBezTo>
+                <a:cubicBezTo>
+                  <a:pt x="514350" y="379769"/>
+                  <a:pt x="493430" y="373210"/>
+                  <a:pt x="519748" y="352990"/>
+                </a:cubicBezTo>
+                <a:cubicBezTo>
+                  <a:pt x="526113" y="348234"/>
+                  <a:pt x="523173" y="342336"/>
+                  <a:pt x="520282" y="336993"/>
+                </a:cubicBezTo>
+                <a:cubicBezTo>
+                  <a:pt x="516186" y="328957"/>
+                  <a:pt x="507910" y="322968"/>
+                  <a:pt x="498650" y="316785"/>
+                </a:cubicBezTo>
+                <a:cubicBezTo>
+                  <a:pt x="493501" y="313319"/>
+                  <a:pt x="487271" y="308549"/>
+                  <a:pt x="493610" y="303515"/>
+                </a:cubicBezTo>
+                <a:cubicBezTo>
+                  <a:pt x="500838" y="297564"/>
+                  <a:pt x="511247" y="300288"/>
+                  <a:pt x="519565" y="301237"/>
+                </a:cubicBezTo>
+                <a:cubicBezTo>
+                  <a:pt x="557715" y="305444"/>
+                  <a:pt x="581118" y="318221"/>
+                  <a:pt x="592560" y="338204"/>
+                </a:cubicBezTo>
+                <a:cubicBezTo>
+                  <a:pt x="599979" y="350985"/>
+                  <a:pt x="609184" y="351016"/>
+                  <a:pt x="627076" y="339652"/>
+                </a:cubicBezTo>
+                <a:cubicBezTo>
+                  <a:pt x="647275" y="326965"/>
+                  <a:pt x="664147" y="326044"/>
+                  <a:pt x="679640" y="336997"/>
+                </a:cubicBezTo>
+                <a:cubicBezTo>
+                  <a:pt x="692054" y="345981"/>
+                  <a:pt x="702112" y="355732"/>
+                  <a:pt x="716352" y="363437"/>
+                </a:cubicBezTo>
+                <a:cubicBezTo>
+                  <a:pt x="754546" y="384710"/>
+                  <a:pt x="790508" y="408138"/>
+                  <a:pt x="869745" y="400343"/>
+                </a:cubicBezTo>
+                <a:cubicBezTo>
+                  <a:pt x="847718" y="392203"/>
+                  <a:pt x="825656" y="394699"/>
+                  <a:pt x="806641" y="393290"/>
+                </a:cubicBezTo>
+                <a:cubicBezTo>
+                  <a:pt x="792988" y="392249"/>
+                  <a:pt x="779165" y="389265"/>
+                  <a:pt x="791435" y="380072"/>
+                </a:cubicBezTo>
+                <a:cubicBezTo>
+                  <a:pt x="805532" y="369601"/>
+                  <a:pt x="796441" y="365362"/>
+                  <a:pt x="787709" y="359692"/>
+                </a:cubicBezTo>
+                <a:cubicBezTo>
+                  <a:pt x="767647" y="346342"/>
+                  <a:pt x="751260" y="330710"/>
+                  <a:pt x="711071" y="330880"/>
+                </a:cubicBezTo>
+                <a:cubicBezTo>
+                  <a:pt x="704773" y="330873"/>
+                  <a:pt x="699699" y="328240"/>
+                  <a:pt x="694722" y="326718"/>
+                </a:cubicBezTo>
+                <a:cubicBezTo>
+                  <a:pt x="687749" y="324532"/>
+                  <a:pt x="681713" y="321984"/>
+                  <a:pt x="684613" y="316412"/>
+                </a:cubicBezTo>
+                <a:cubicBezTo>
+                  <a:pt x="687565" y="311396"/>
+                  <a:pt x="694531" y="307986"/>
+                  <a:pt x="703615" y="306629"/>
+                </a:cubicBezTo>
+                <a:cubicBezTo>
+                  <a:pt x="711738" y="305356"/>
+                  <a:pt x="720365" y="304319"/>
+                  <a:pt x="728585" y="304157"/>
+                </a:cubicBezTo>
+                <a:cubicBezTo>
+                  <a:pt x="765287" y="302895"/>
+                  <a:pt x="791378" y="313197"/>
+                  <a:pt x="817397" y="322666"/>
+                </a:cubicBezTo>
+                <a:cubicBezTo>
+                  <a:pt x="908436" y="355531"/>
+                  <a:pt x="989341" y="394323"/>
+                  <a:pt x="1073943" y="431110"/>
+                </a:cubicBezTo>
+                <a:cubicBezTo>
+                  <a:pt x="1158521" y="467620"/>
+                  <a:pt x="1256741" y="493978"/>
+                  <a:pt x="1349484" y="524175"/>
+                </a:cubicBezTo>
+                <a:cubicBezTo>
+                  <a:pt x="1563417" y="594105"/>
+                  <a:pt x="1778287" y="663672"/>
+                  <a:pt x="2004921" y="723811"/>
+                </a:cubicBezTo>
+                <a:cubicBezTo>
+                  <a:pt x="2226580" y="782429"/>
+                  <a:pt x="2967159" y="809769"/>
+                  <a:pt x="3111348" y="808027"/>
+                </a:cubicBezTo>
+                <a:cubicBezTo>
+                  <a:pt x="3295676" y="805559"/>
+                  <a:pt x="3730204" y="773014"/>
+                  <a:pt x="4173417" y="745585"/>
+                </a:cubicBezTo>
+                <a:cubicBezTo>
+                  <a:pt x="4223504" y="742307"/>
+                  <a:pt x="4272653" y="739393"/>
+                  <a:pt x="4324760" y="737057"/>
+                </a:cubicBezTo>
+                <a:cubicBezTo>
+                  <a:pt x="5801059" y="670156"/>
+                  <a:pt x="6841344" y="326433"/>
+                  <a:pt x="6893789" y="305879"/>
+                </a:cubicBezTo>
+                <a:cubicBezTo>
+                  <a:pt x="6978091" y="273014"/>
+                  <a:pt x="7258655" y="208091"/>
+                  <a:pt x="7259184" y="208604"/>
+                </a:cubicBezTo>
+                <a:cubicBezTo>
+                  <a:pt x="7265440" y="213652"/>
+                  <a:pt x="7297274" y="217644"/>
+                  <a:pt x="7323059" y="220312"/>
+                </a:cubicBezTo>
+                <a:lnTo>
+                  <a:pt x="7347572" y="222730"/>
+                </a:lnTo>
+                <a:lnTo>
+                  <a:pt x="7350636" y="224083"/>
+                </a:lnTo>
+                <a:cubicBezTo>
+                  <a:pt x="7359607" y="224205"/>
+                  <a:pt x="7359159" y="223929"/>
+                  <a:pt x="7353245" y="223290"/>
+                </a:cubicBezTo>
+                <a:lnTo>
+                  <a:pt x="7347572" y="222730"/>
+                </a:lnTo>
+                <a:lnTo>
+                  <a:pt x="7342573" y="220523"/>
+                </a:lnTo>
+                <a:cubicBezTo>
+                  <a:pt x="7341302" y="218466"/>
+                  <a:pt x="7341191" y="215818"/>
+                  <a:pt x="7341465" y="213415"/>
+                </a:cubicBezTo>
+                <a:cubicBezTo>
+                  <a:pt x="7342771" y="200707"/>
+                  <a:pt x="7352468" y="189782"/>
+                  <a:pt x="7375606" y="182994"/>
+                </a:cubicBezTo>
+                <a:cubicBezTo>
+                  <a:pt x="7397808" y="176568"/>
+                  <a:pt x="7420538" y="170655"/>
+                  <a:pt x="7443270" y="164742"/>
+                </a:cubicBezTo>
+                <a:cubicBezTo>
+                  <a:pt x="7462204" y="159722"/>
+                  <a:pt x="7475181" y="158583"/>
+                  <a:pt x="7478299" y="172021"/>
+                </a:cubicBezTo>
+                <a:cubicBezTo>
+                  <a:pt x="7481416" y="185460"/>
+                  <a:pt x="7508389" y="189249"/>
+                  <a:pt x="7524024" y="179761"/>
+                </a:cubicBezTo>
+                <a:cubicBezTo>
+                  <a:pt x="7585174" y="142492"/>
+                  <a:pt x="7658615" y="112820"/>
+                  <a:pt x="7727944" y="80430"/>
+                </a:cubicBezTo>
+                <a:cubicBezTo>
+                  <a:pt x="7776349" y="57992"/>
+                  <a:pt x="7827303" y="37009"/>
+                  <a:pt x="7867024" y="9456"/>
+                </a:cubicBezTo>
+                <a:cubicBezTo>
+                  <a:pt x="7874326" y="4338"/>
+                  <a:pt x="7880999" y="-2404"/>
+                  <a:pt x="7894848" y="858"/>
+                </a:cubicBezTo>
+                <a:close/>
+              </a:path>
+            </a:pathLst>
+          </a:custGeom>
+          <a:noFill/>
+          <a:extLst>
+            <a:ext uri="{909E8E84-426E-40DD-AFC4-6F175D3DCCD1}">
+              <a14:hiddenFill xmlns:a14="http://schemas.microsoft.com/office/drawing/2010/main">
+                <a:solidFill>
+                  <a:srgbClr val="FFFFFF"/>
+                </a:solidFill>
+              </a14:hiddenFill>
+            </a:ext>
+          </a:extLst>
+        </p:spPr>
+      </p:pic>
+    </p:spTree>
+    <p:extLst>
+      <p:ext uri="{BB962C8B-B14F-4D97-AF65-F5344CB8AC3E}">
+        <p14:creationId xmlns:p14="http://schemas.microsoft.com/office/powerpoint/2010/main" val="1259996582"/>
+      </p:ext>
+    </p:extLst>
+  </p:cSld>
+  <p:clrMapOvr>
+    <a:masterClrMapping/>
+  </p:clrMapOvr>
+</p:sld>
+</file>
+
+<file path=ppt/slides/slide11.xml><?xml version="1.0" encoding="utf-8"?>
+<p:sld xmlns:a="http://schemas.openxmlformats.org/drawingml/2006/main" xmlns:r="http://schemas.openxmlformats.org/officeDocument/2006/relationships" xmlns:p="http://schemas.openxmlformats.org/presentationml/2006/main">
+  <p:cSld>
+    <p:bg>
+      <p:bgPr>
+        <a:solidFill>
+          <a:schemeClr val="bg1"/>
+        </a:solidFill>
+        <a:effectLst/>
+      </p:bgPr>
+    </p:bg>
+    <p:spTree>
+      <p:nvGrpSpPr>
+        <p:cNvPr id="1" name=""/>
+        <p:cNvGrpSpPr/>
+        <p:nvPr/>
+      </p:nvGrpSpPr>
+      <p:grpSpPr>
+        <a:xfrm>
+          <a:off x="0" y="0"/>
+          <a:ext cx="0" cy="0"/>
+          <a:chOff x="0" y="0"/>
+          <a:chExt cx="0" cy="0"/>
+        </a:xfrm>
+      </p:grpSpPr>
       <p:sp>
         <p:nvSpPr>
           <p:cNvPr id="9" name="Rectangle 8">
@@ -12458,7 +13817,7 @@
           <a:lstStyle/>
           <a:p>
             <a:r>
-              <a:rPr lang="en-US" sz="3400" kern="1200">
+              <a:rPr lang="en-US" sz="3400" kern="1200" dirty="0" err="1">
                 <a:solidFill>
                   <a:srgbClr val="FFFFFF"/>
                 </a:solidFill>
@@ -12466,7 +13825,150 @@
                 <a:ea typeface="+mj-ea"/>
                 <a:cs typeface="+mj-cs"/>
               </a:rPr>
-              <a:t>Aalgunas formas en las que Facebook utiliza la estructura de datos de Grafos </a:t>
+              <a:t>Algunas</a:t>
+            </a:r>
+            <a:r>
+              <a:rPr lang="en-US" sz="3400" kern="1200" dirty="0">
+                <a:solidFill>
+                  <a:srgbClr val="FFFFFF"/>
+                </a:solidFill>
+                <a:latin typeface="+mj-lt"/>
+                <a:ea typeface="+mj-ea"/>
+                <a:cs typeface="+mj-cs"/>
+              </a:rPr>
+              <a:t> </a:t>
+            </a:r>
+            <a:r>
+              <a:rPr lang="en-US" sz="3400" kern="1200" dirty="0" err="1">
+                <a:solidFill>
+                  <a:srgbClr val="FFFFFF"/>
+                </a:solidFill>
+                <a:latin typeface="+mj-lt"/>
+                <a:ea typeface="+mj-ea"/>
+                <a:cs typeface="+mj-cs"/>
+              </a:rPr>
+              <a:t>formas</a:t>
+            </a:r>
+            <a:r>
+              <a:rPr lang="en-US" sz="3400" kern="1200" dirty="0">
+                <a:solidFill>
+                  <a:srgbClr val="FFFFFF"/>
+                </a:solidFill>
+                <a:latin typeface="+mj-lt"/>
+                <a:ea typeface="+mj-ea"/>
+                <a:cs typeface="+mj-cs"/>
+              </a:rPr>
+              <a:t> </a:t>
+            </a:r>
+            <a:r>
+              <a:rPr lang="en-US" sz="3400" kern="1200" dirty="0" err="1">
+                <a:solidFill>
+                  <a:srgbClr val="FFFFFF"/>
+                </a:solidFill>
+                <a:latin typeface="+mj-lt"/>
+                <a:ea typeface="+mj-ea"/>
+                <a:cs typeface="+mj-cs"/>
+              </a:rPr>
+              <a:t>en</a:t>
+            </a:r>
+            <a:r>
+              <a:rPr lang="en-US" sz="3400" kern="1200" dirty="0">
+                <a:solidFill>
+                  <a:srgbClr val="FFFFFF"/>
+                </a:solidFill>
+                <a:latin typeface="+mj-lt"/>
+                <a:ea typeface="+mj-ea"/>
+                <a:cs typeface="+mj-cs"/>
+              </a:rPr>
+              <a:t> las que Facebook </a:t>
+            </a:r>
+            <a:r>
+              <a:rPr lang="en-US" sz="3400" kern="1200" dirty="0" err="1">
+                <a:solidFill>
+                  <a:srgbClr val="FFFFFF"/>
+                </a:solidFill>
+                <a:latin typeface="+mj-lt"/>
+                <a:ea typeface="+mj-ea"/>
+                <a:cs typeface="+mj-cs"/>
+              </a:rPr>
+              <a:t>utiliza</a:t>
+            </a:r>
+            <a:r>
+              <a:rPr lang="en-US" sz="3400" kern="1200" dirty="0">
+                <a:solidFill>
+                  <a:srgbClr val="FFFFFF"/>
+                </a:solidFill>
+                <a:latin typeface="+mj-lt"/>
+                <a:ea typeface="+mj-ea"/>
+                <a:cs typeface="+mj-cs"/>
+              </a:rPr>
+              <a:t> la </a:t>
+            </a:r>
+            <a:r>
+              <a:rPr lang="en-US" sz="3400" kern="1200" dirty="0" err="1">
+                <a:solidFill>
+                  <a:srgbClr val="FFFFFF"/>
+                </a:solidFill>
+                <a:latin typeface="+mj-lt"/>
+                <a:ea typeface="+mj-ea"/>
+                <a:cs typeface="+mj-cs"/>
+              </a:rPr>
+              <a:t>estructura</a:t>
+            </a:r>
+            <a:r>
+              <a:rPr lang="en-US" sz="3400" kern="1200" dirty="0">
+                <a:solidFill>
+                  <a:srgbClr val="FFFFFF"/>
+                </a:solidFill>
+                <a:latin typeface="+mj-lt"/>
+                <a:ea typeface="+mj-ea"/>
+                <a:cs typeface="+mj-cs"/>
+              </a:rPr>
+              <a:t> de </a:t>
+            </a:r>
+            <a:r>
+              <a:rPr lang="en-US" sz="3400" kern="1200" dirty="0" err="1">
+                <a:solidFill>
+                  <a:srgbClr val="FFFFFF"/>
+                </a:solidFill>
+                <a:latin typeface="+mj-lt"/>
+                <a:ea typeface="+mj-ea"/>
+                <a:cs typeface="+mj-cs"/>
+              </a:rPr>
+              <a:t>datos</a:t>
+            </a:r>
+            <a:r>
+              <a:rPr lang="en-US" sz="3400" kern="1200" dirty="0">
+                <a:solidFill>
+                  <a:srgbClr val="FFFFFF"/>
+                </a:solidFill>
+                <a:latin typeface="+mj-lt"/>
+                <a:ea typeface="+mj-ea"/>
+                <a:cs typeface="+mj-cs"/>
+              </a:rPr>
+              <a:t> de </a:t>
+            </a:r>
+            <a:r>
+              <a:rPr lang="en-US" sz="3400" kern="1200" dirty="0" err="1">
+                <a:solidFill>
+                  <a:srgbClr val="FFFFFF"/>
+                </a:solidFill>
+                <a:latin typeface="+mj-lt"/>
+                <a:ea typeface="+mj-ea"/>
+                <a:cs typeface="+mj-cs"/>
+              </a:rPr>
+              <a:t>Grafos</a:t>
+            </a:r>
+            <a:r>
+              <a:rPr lang="en-US" sz="3400" kern="1200" dirty="0">
+                <a:solidFill>
+                  <a:srgbClr val="FFFFFF"/>
+                </a:solidFill>
+                <a:latin typeface="+mj-lt"/>
+                <a:ea typeface="+mj-ea"/>
+                <a:cs typeface="+mj-cs"/>
+              </a:rPr>
+              <a:t> </a:t>
             </a:r>
           </a:p>
         </p:txBody>
@@ -12895,7 +14397,7 @@
                 <a:ea typeface="+mj-ea"/>
                 <a:cs typeface="+mj-cs"/>
               </a:rPr>
-              <a:t>Aalgunas</a:t>
+              <a:t>Algunas</a:t>
             </a:r>
             <a:r>
               <a:rPr lang="en-US" sz="3400" kern="1200" dirty="0">
@@ -25176,7 +26678,7 @@
               <a:buFont typeface="Arial" panose="020B0604020202020204" pitchFamily="34" charset="0"/>
               <a:buChar char="•"/>
             </a:pPr>
-            <a:endParaRPr lang="en-US" sz="2000"/>
+            <a:endParaRPr lang="en-US" sz="2000" dirty="0"/>
           </a:p>
           <a:p>
             <a:pPr indent="-228600">
@@ -25190,12 +26692,498 @@
               <a:buChar char="•"/>
             </a:pPr>
             <a:r>
-              <a:rPr lang="en-US" sz="2000">
+              <a:rPr lang="en-US" sz="2000" dirty="0" err="1">
                 <a:effectLst/>
               </a:rPr>
-              <a:t>Dentro de Facebook se había estado desarrollando un sistema de índice invertido llamado Unicornio desde 2009. A finales de 2010, Unicornio se había utilizado en muchos proyectos de Facebook como una "base de datos" en memoria para buscar entidades según combinaciones de atributos. En 2011, se decidio ampliar Unicornio para que fuera un motor de búsqueda y migrar todos los backend de búsqueda existentes a Unicornio como el primer paso hacia la construcción de Graph Search </a:t>
-            </a:r>
-            <a:endParaRPr lang="en-US" sz="2000"/>
+              <a:t>Dentro</a:t>
+            </a:r>
+            <a:r>
+              <a:rPr lang="en-US" sz="2000" dirty="0">
+                <a:effectLst/>
+              </a:rPr>
+              <a:t> de Facebook se </a:t>
+            </a:r>
+            <a:r>
+              <a:rPr lang="en-US" sz="2000" dirty="0" err="1">
+                <a:effectLst/>
+              </a:rPr>
+              <a:t>había</a:t>
+            </a:r>
+            <a:r>
+              <a:rPr lang="en-US" sz="2000" dirty="0">
+                <a:effectLst/>
+              </a:rPr>
+              <a:t> </a:t>
+            </a:r>
+            <a:r>
+              <a:rPr lang="en-US" sz="2000" dirty="0" err="1">
+                <a:effectLst/>
+              </a:rPr>
+              <a:t>estado</a:t>
+            </a:r>
+            <a:r>
+              <a:rPr lang="en-US" sz="2000" dirty="0">
+                <a:effectLst/>
+              </a:rPr>
+              <a:t> </a:t>
+            </a:r>
+            <a:r>
+              <a:rPr lang="en-US" sz="2000" dirty="0" err="1">
+                <a:effectLst/>
+              </a:rPr>
+              <a:t>desarrollando</a:t>
+            </a:r>
+            <a:r>
+              <a:rPr lang="en-US" sz="2000" dirty="0">
+                <a:effectLst/>
+              </a:rPr>
+              <a:t> un </a:t>
+            </a:r>
+            <a:r>
+              <a:rPr lang="en-US" sz="2000" dirty="0" err="1">
+                <a:effectLst/>
+              </a:rPr>
+              <a:t>sistema</a:t>
+            </a:r>
+            <a:r>
+              <a:rPr lang="en-US" sz="2000" dirty="0">
+                <a:effectLst/>
+              </a:rPr>
+              <a:t> de </a:t>
+            </a:r>
+            <a:r>
+              <a:rPr lang="en-US" sz="2000" dirty="0" err="1">
+                <a:effectLst/>
+              </a:rPr>
+              <a:t>índice</a:t>
+            </a:r>
+            <a:r>
+              <a:rPr lang="en-US" sz="2000" dirty="0">
+                <a:effectLst/>
+              </a:rPr>
+              <a:t> </a:t>
+            </a:r>
+            <a:r>
+              <a:rPr lang="en-US" sz="2000" dirty="0" err="1">
+                <a:effectLst/>
+              </a:rPr>
+              <a:t>invertido</a:t>
+            </a:r>
+            <a:r>
+              <a:rPr lang="en-US" sz="2000" dirty="0">
+                <a:effectLst/>
+              </a:rPr>
+              <a:t> </a:t>
+            </a:r>
+            <a:r>
+              <a:rPr lang="en-US" sz="2000" dirty="0" err="1">
+                <a:effectLst/>
+              </a:rPr>
+              <a:t>llamado</a:t>
+            </a:r>
+            <a:r>
+              <a:rPr lang="en-US" sz="2000" dirty="0">
+                <a:effectLst/>
+              </a:rPr>
+              <a:t> </a:t>
+            </a:r>
+            <a:r>
+              <a:rPr lang="en-US" sz="2000" dirty="0" err="1">
+                <a:effectLst/>
+              </a:rPr>
+              <a:t>Unicornio</a:t>
+            </a:r>
+            <a:r>
+              <a:rPr lang="en-US" sz="2000" dirty="0">
+                <a:effectLst/>
+              </a:rPr>
+              <a:t> </a:t>
+            </a:r>
+            <a:r>
+              <a:rPr lang="en-US" sz="2000" dirty="0" err="1">
+                <a:effectLst/>
+              </a:rPr>
+              <a:t>desde</a:t>
+            </a:r>
+            <a:r>
+              <a:rPr lang="en-US" sz="2000" dirty="0">
+                <a:effectLst/>
+              </a:rPr>
+              <a:t> 2009. A finales de 2010, </a:t>
+            </a:r>
+            <a:r>
+              <a:rPr lang="en-US" sz="2000" dirty="0" err="1">
+                <a:effectLst/>
+              </a:rPr>
+              <a:t>Unicornio</a:t>
+            </a:r>
+            <a:r>
+              <a:rPr lang="en-US" sz="2000" dirty="0">
+                <a:effectLst/>
+              </a:rPr>
+              <a:t> se </a:t>
+            </a:r>
+            <a:r>
+              <a:rPr lang="en-US" sz="2000" dirty="0" err="1">
+                <a:effectLst/>
+              </a:rPr>
+              <a:t>había</a:t>
+            </a:r>
+            <a:r>
+              <a:rPr lang="en-US" sz="2000" dirty="0">
+                <a:effectLst/>
+              </a:rPr>
+              <a:t> </a:t>
+            </a:r>
+            <a:r>
+              <a:rPr lang="en-US" sz="2000" dirty="0" err="1">
+                <a:effectLst/>
+              </a:rPr>
+              <a:t>utilizado</a:t>
+            </a:r>
+            <a:r>
+              <a:rPr lang="en-US" sz="2000" dirty="0">
+                <a:effectLst/>
+              </a:rPr>
+              <a:t> </a:t>
+            </a:r>
+            <a:r>
+              <a:rPr lang="en-US" sz="2000" dirty="0" err="1">
+                <a:effectLst/>
+              </a:rPr>
+              <a:t>en</a:t>
+            </a:r>
+            <a:r>
+              <a:rPr lang="en-US" sz="2000" dirty="0">
+                <a:effectLst/>
+              </a:rPr>
+              <a:t> </a:t>
+            </a:r>
+            <a:r>
+              <a:rPr lang="en-US" sz="2000" dirty="0" err="1">
+                <a:effectLst/>
+              </a:rPr>
+              <a:t>muchos</a:t>
+            </a:r>
+            <a:r>
+              <a:rPr lang="en-US" sz="2000" dirty="0">
+                <a:effectLst/>
+              </a:rPr>
+              <a:t> </a:t>
+            </a:r>
+            <a:r>
+              <a:rPr lang="en-US" sz="2000" dirty="0" err="1">
+                <a:effectLst/>
+              </a:rPr>
+              <a:t>proyectos</a:t>
+            </a:r>
+            <a:r>
+              <a:rPr lang="en-US" sz="2000" dirty="0">
+                <a:effectLst/>
+              </a:rPr>
+              <a:t> de Facebook </a:t>
+            </a:r>
+            <a:r>
+              <a:rPr lang="en-US" sz="2000" dirty="0" err="1">
+                <a:effectLst/>
+              </a:rPr>
+              <a:t>como</a:t>
+            </a:r>
+            <a:r>
+              <a:rPr lang="en-US" sz="2000" dirty="0">
+                <a:effectLst/>
+              </a:rPr>
+              <a:t> </a:t>
+            </a:r>
+            <a:r>
+              <a:rPr lang="en-US" sz="2000" dirty="0" err="1">
+                <a:effectLst/>
+              </a:rPr>
+              <a:t>una</a:t>
+            </a:r>
+            <a:r>
+              <a:rPr lang="en-US" sz="2000" dirty="0">
+                <a:effectLst/>
+              </a:rPr>
+              <a:t> "base de </a:t>
+            </a:r>
+            <a:r>
+              <a:rPr lang="en-US" sz="2000" dirty="0" err="1">
+                <a:effectLst/>
+              </a:rPr>
+              <a:t>datos</a:t>
+            </a:r>
+            <a:r>
+              <a:rPr lang="en-US" sz="2000" dirty="0">
+                <a:effectLst/>
+              </a:rPr>
+              <a:t>" </a:t>
+            </a:r>
+            <a:r>
+              <a:rPr lang="en-US" sz="2000" dirty="0" err="1">
+                <a:effectLst/>
+              </a:rPr>
+              <a:t>en</a:t>
+            </a:r>
+            <a:r>
+              <a:rPr lang="en-US" sz="2000" dirty="0">
+                <a:effectLst/>
+              </a:rPr>
+              <a:t> </a:t>
+            </a:r>
+            <a:r>
+              <a:rPr lang="en-US" sz="2000" dirty="0" err="1">
+                <a:effectLst/>
+              </a:rPr>
+              <a:t>memoria</a:t>
+            </a:r>
+            <a:r>
+              <a:rPr lang="en-US" sz="2000" dirty="0">
+                <a:effectLst/>
+              </a:rPr>
+              <a:t> para </a:t>
+            </a:r>
+            <a:r>
+              <a:rPr lang="en-US" sz="2000" dirty="0" err="1">
+                <a:effectLst/>
+              </a:rPr>
+              <a:t>buscar</a:t>
+            </a:r>
+            <a:r>
+              <a:rPr lang="en-US" sz="2000" dirty="0">
+                <a:effectLst/>
+              </a:rPr>
+              <a:t> </a:t>
+            </a:r>
+            <a:r>
+              <a:rPr lang="en-US" sz="2000" dirty="0" err="1">
+                <a:effectLst/>
+              </a:rPr>
+              <a:t>entidades</a:t>
+            </a:r>
+            <a:r>
+              <a:rPr lang="en-US" sz="2000" dirty="0">
+                <a:effectLst/>
+              </a:rPr>
+              <a:t> </a:t>
+            </a:r>
+            <a:r>
+              <a:rPr lang="en-US" sz="2000" dirty="0" err="1">
+                <a:effectLst/>
+              </a:rPr>
+              <a:t>según</a:t>
+            </a:r>
+            <a:r>
+              <a:rPr lang="en-US" sz="2000" dirty="0">
+                <a:effectLst/>
+              </a:rPr>
+              <a:t> </a:t>
+            </a:r>
+            <a:r>
+              <a:rPr lang="en-US" sz="2000" dirty="0" err="1">
+                <a:effectLst/>
+              </a:rPr>
+              <a:t>combinaciones</a:t>
+            </a:r>
+            <a:r>
+              <a:rPr lang="en-US" sz="2000" dirty="0">
+                <a:effectLst/>
+              </a:rPr>
+              <a:t> de </a:t>
+            </a:r>
+            <a:r>
+              <a:rPr lang="en-US" sz="2000" dirty="0" err="1">
+                <a:effectLst/>
+              </a:rPr>
+              <a:t>atributos</a:t>
+            </a:r>
+            <a:r>
+              <a:rPr lang="en-US" sz="2000" dirty="0">
+                <a:effectLst/>
+              </a:rPr>
+              <a:t>. En 2011, se </a:t>
+            </a:r>
+            <a:r>
+              <a:rPr lang="en-US" sz="2000" dirty="0" err="1">
+                <a:effectLst/>
+              </a:rPr>
+              <a:t>decidio</a:t>
+            </a:r>
+            <a:r>
+              <a:rPr lang="en-US" sz="2000" dirty="0">
+                <a:effectLst/>
+              </a:rPr>
+              <a:t> </a:t>
+            </a:r>
+            <a:r>
+              <a:rPr lang="en-US" sz="2000" dirty="0" err="1">
+                <a:effectLst/>
+              </a:rPr>
+              <a:t>ampliar</a:t>
+            </a:r>
+            <a:r>
+              <a:rPr lang="en-US" sz="2000" dirty="0">
+                <a:effectLst/>
+              </a:rPr>
+              <a:t> </a:t>
+            </a:r>
+            <a:r>
+              <a:rPr lang="en-US" sz="2000" dirty="0" err="1">
+                <a:effectLst/>
+              </a:rPr>
+              <a:t>Unicornio</a:t>
+            </a:r>
+            <a:r>
+              <a:rPr lang="en-US" sz="2000" dirty="0">
+                <a:effectLst/>
+              </a:rPr>
+              <a:t> para que </a:t>
+            </a:r>
+            <a:r>
+              <a:rPr lang="en-US" sz="2000" dirty="0" err="1">
+                <a:effectLst/>
+              </a:rPr>
+              <a:t>fuera</a:t>
+            </a:r>
+            <a:r>
+              <a:rPr lang="en-US" sz="2000" dirty="0">
+                <a:effectLst/>
+              </a:rPr>
+              <a:t> un motor de </a:t>
+            </a:r>
+            <a:r>
+              <a:rPr lang="en-US" sz="2000" dirty="0" err="1">
+                <a:effectLst/>
+              </a:rPr>
+              <a:t>búsqueda</a:t>
+            </a:r>
+            <a:r>
+              <a:rPr lang="en-US" sz="2000" dirty="0">
+                <a:effectLst/>
+              </a:rPr>
+              <a:t> y </a:t>
+            </a:r>
+            <a:r>
+              <a:rPr lang="en-US" sz="2000" dirty="0" err="1">
+                <a:effectLst/>
+              </a:rPr>
+              <a:t>migrar</a:t>
+            </a:r>
+            <a:r>
+              <a:rPr lang="en-US" sz="2000" dirty="0">
+                <a:effectLst/>
+              </a:rPr>
+              <a:t> </a:t>
+            </a:r>
+            <a:r>
+              <a:rPr lang="en-US" sz="2000" dirty="0" err="1">
+                <a:effectLst/>
+              </a:rPr>
+              <a:t>todos</a:t>
+            </a:r>
+            <a:r>
+              <a:rPr lang="en-US" sz="2000" dirty="0">
+                <a:effectLst/>
+              </a:rPr>
+              <a:t> </a:t>
+            </a:r>
+            <a:r>
+              <a:rPr lang="en-US" sz="2000" dirty="0" err="1">
+                <a:effectLst/>
+              </a:rPr>
+              <a:t>los</a:t>
+            </a:r>
+            <a:r>
+              <a:rPr lang="en-US" sz="2000" dirty="0">
+                <a:effectLst/>
+              </a:rPr>
+              <a:t> backend de </a:t>
+            </a:r>
+            <a:r>
+              <a:rPr lang="en-US" sz="2000" dirty="0" err="1">
+                <a:effectLst/>
+              </a:rPr>
+              <a:t>búsqueda</a:t>
+            </a:r>
+            <a:r>
+              <a:rPr lang="en-US" sz="2000" dirty="0">
+                <a:effectLst/>
+              </a:rPr>
+              <a:t> </a:t>
+            </a:r>
+            <a:r>
+              <a:rPr lang="en-US" sz="2000" dirty="0" err="1">
+                <a:effectLst/>
+              </a:rPr>
+              <a:t>existentes</a:t>
+            </a:r>
+            <a:r>
+              <a:rPr lang="en-US" sz="2000" dirty="0">
+                <a:effectLst/>
+              </a:rPr>
+              <a:t> a </a:t>
+            </a:r>
+            <a:r>
+              <a:rPr lang="en-US" sz="2000" dirty="0" err="1">
+                <a:effectLst/>
+              </a:rPr>
+              <a:t>Unicornio</a:t>
+            </a:r>
+            <a:r>
+              <a:rPr lang="en-US" sz="2000" dirty="0">
+                <a:effectLst/>
+              </a:rPr>
+              <a:t> </a:t>
+            </a:r>
+            <a:r>
+              <a:rPr lang="en-US" sz="2000" dirty="0" err="1">
+                <a:effectLst/>
+              </a:rPr>
+              <a:t>como</a:t>
+            </a:r>
+            <a:r>
+              <a:rPr lang="en-US" sz="2000" dirty="0">
+                <a:effectLst/>
+              </a:rPr>
+              <a:t> </a:t>
+            </a:r>
+            <a:r>
+              <a:rPr lang="en-US" sz="2000" dirty="0" err="1">
+                <a:effectLst/>
+              </a:rPr>
+              <a:t>el</a:t>
+            </a:r>
+            <a:r>
+              <a:rPr lang="en-US" sz="2000" dirty="0">
+                <a:effectLst/>
+              </a:rPr>
+              <a:t> primer paso </a:t>
+            </a:r>
+            <a:r>
+              <a:rPr lang="en-US" sz="2000" dirty="0" err="1">
+                <a:effectLst/>
+              </a:rPr>
+              <a:t>hacia</a:t>
+            </a:r>
+            <a:r>
+              <a:rPr lang="en-US" sz="2000" dirty="0">
+                <a:effectLst/>
+              </a:rPr>
+              <a:t> la </a:t>
+            </a:r>
+            <a:r>
+              <a:rPr lang="en-US" sz="2000" dirty="0" err="1">
+                <a:effectLst/>
+              </a:rPr>
+              <a:t>construcción</a:t>
+            </a:r>
+            <a:r>
+              <a:rPr lang="en-US" sz="2000" dirty="0">
+                <a:effectLst/>
+              </a:rPr>
+              <a:t> de Graph Search </a:t>
+            </a:r>
+            <a:endParaRPr lang="en-US" sz="2000" dirty="0"/>
           </a:p>
         </p:txBody>
       </p:sp>
